--- a/2025-Q3/Unity6/2025-08-10-Unity6.pptx
+++ b/2025-Q3/Unity6/2025-08-10-Unity6.pptx
@@ -285,7 +285,7 @@
               <a:pPr>
                 <a:defRPr/>
               </a:pPr>
-              <a:t>8/9/2025</a:t>
+              <a:t>8/10/2025</a:t>
             </a:fld>
             <a:endParaRPr lang="en-US"/>
           </a:p>
